--- a/aulas/t/old/SCO-T1-A01-A02.pptx
+++ b/aulas/t/old/SCO-T1-A01-A02.pptx
@@ -5,10 +5,10 @@
     <p:sldMasterId id="2147483648" r:id="rId1"/>
   </p:sldMasterIdLst>
   <p:notesMasterIdLst>
-    <p:notesMasterId r:id="rId24"/>
+    <p:notesMasterId r:id="rId25"/>
   </p:notesMasterIdLst>
   <p:handoutMasterIdLst>
-    <p:handoutMasterId r:id="rId25"/>
+    <p:handoutMasterId r:id="rId26"/>
   </p:handoutMasterIdLst>
   <p:sldIdLst>
     <p:sldId id="256" r:id="rId2"/>
@@ -32,7 +32,8 @@
     <p:sldId id="396" r:id="rId20"/>
     <p:sldId id="395" r:id="rId21"/>
     <p:sldId id="398" r:id="rId22"/>
-    <p:sldId id="378" r:id="rId23"/>
+    <p:sldId id="399" r:id="rId23"/>
+    <p:sldId id="378" r:id="rId24"/>
   </p:sldIdLst>
   <p:sldSz cx="9144000" cy="5715000" type="screen16x10"/>
   <p:notesSz cx="7099300" cy="10234613"/>
@@ -3455,10 +3456,120 @@
           <a:bodyPr/>
           <a:lstStyle/>
           <a:p>
+            <a:fld id="{3A39D14B-6B8A-4B5C-B9E8-DE6D6BC70576}" type="slidenum">
+              <a:rPr lang="en-GB"/>
+              <a:pPr/>
+              <a:t>22</a:t>
+            </a:fld>
+            <a:endParaRPr lang="en-GB" dirty="0"/>
+          </a:p>
+        </p:txBody>
+      </p:sp>
+      <p:sp>
+        <p:nvSpPr>
+          <p:cNvPr id="259074" name="Rectangle 2"/>
+          <p:cNvSpPr>
+            <a:spLocks noGrp="1" noRot="1" noChangeAspect="1" noChangeArrowheads="1" noTextEdit="1"/>
+          </p:cNvSpPr>
+          <p:nvPr>
+            <p:ph type="sldImg"/>
+          </p:nvPr>
+        </p:nvSpPr>
+        <p:spPr>
+          <a:xfrm>
+            <a:off x="477838" y="766763"/>
+            <a:ext cx="6145212" cy="3840162"/>
+          </a:xfrm>
+          <a:ln/>
+        </p:spPr>
+      </p:sp>
+      <p:sp>
+        <p:nvSpPr>
+          <p:cNvPr id="259075" name="Rectangle 3"/>
+          <p:cNvSpPr>
+            <a:spLocks noGrp="1" noChangeArrowheads="1"/>
+          </p:cNvSpPr>
+          <p:nvPr>
+            <p:ph type="body" idx="1"/>
+          </p:nvPr>
+        </p:nvSpPr>
+        <p:spPr/>
+        <p:txBody>
+          <a:bodyPr/>
+          <a:lstStyle/>
+          <a:p>
+            <a:pPr marL="0" marR="0" lvl="0" indent="0" algn="l" defTabSz="914400" rtl="0" eaLnBrk="1" fontAlgn="base" latinLnBrk="0" hangingPunct="1">
+              <a:lnSpc>
+                <a:spcPct val="100000"/>
+              </a:lnSpc>
+              <a:spcBef>
+                <a:spcPct val="30000"/>
+              </a:spcBef>
+              <a:spcAft>
+                <a:spcPct val="0"/>
+              </a:spcAft>
+              <a:buClrTx/>
+              <a:buSzTx/>
+              <a:buFontTx/>
+              <a:buNone/>
+              <a:tabLst/>
+              <a:defRPr/>
+            </a:pPr>
+            <a:endParaRPr lang="en-GB" dirty="0"/>
+          </a:p>
+        </p:txBody>
+      </p:sp>
+    </p:spTree>
+    <p:extLst>
+      <p:ext uri="{BB962C8B-B14F-4D97-AF65-F5344CB8AC3E}">
+        <p14:creationId xmlns:p14="http://schemas.microsoft.com/office/powerpoint/2010/main" val="3256132649"/>
+      </p:ext>
+    </p:extLst>
+  </p:cSld>
+  <p:clrMapOvr>
+    <a:masterClrMapping/>
+  </p:clrMapOvr>
+</p:notes>
+</file>
+
+<file path=ppt/notesSlides/notesSlide23.xml><?xml version="1.0" encoding="utf-8"?>
+<p:notes xmlns:a="http://schemas.openxmlformats.org/drawingml/2006/main" xmlns:r="http://schemas.openxmlformats.org/officeDocument/2006/relationships" xmlns:p="http://schemas.openxmlformats.org/presentationml/2006/main">
+  <p:cSld>
+    <p:spTree>
+      <p:nvGrpSpPr>
+        <p:cNvPr id="1" name=""/>
+        <p:cNvGrpSpPr/>
+        <p:nvPr/>
+      </p:nvGrpSpPr>
+      <p:grpSpPr>
+        <a:xfrm>
+          <a:off x="0" y="0"/>
+          <a:ext cx="0" cy="0"/>
+          <a:chOff x="0" y="0"/>
+          <a:chExt cx="0" cy="0"/>
+        </a:xfrm>
+      </p:grpSpPr>
+      <p:sp>
+        <p:nvSpPr>
+          <p:cNvPr id="7" name="Rectangle 7"/>
+          <p:cNvSpPr>
+            <a:spLocks noGrp="1" noChangeArrowheads="1"/>
+          </p:cNvSpPr>
+          <p:nvPr>
+            <p:ph type="sldNum" sz="quarter" idx="5"/>
+          </p:nvPr>
+        </p:nvSpPr>
+        <p:spPr>
+          <a:ln/>
+        </p:spPr>
+        <p:txBody>
+          <a:bodyPr/>
+          <a:lstStyle/>
+          <a:p>
             <a:fld id="{FD2305D1-531D-4CEF-BD3D-05CF1AF8F416}" type="slidenum">
               <a:rPr lang="en-GB"/>
               <a:pPr/>
-              <a:t>22</a:t>
+              <a:t>23</a:t>
             </a:fld>
             <a:endParaRPr lang="en-GB" dirty="0"/>
           </a:p>
@@ -7606,7 +7717,7 @@
                 </a:solidFill>
                 <a:latin typeface="Arial" charset="0"/>
               </a:rPr>
-              <a:t>SCO-T1-A02</a:t>
+              <a:t>SCO-T1-A01</a:t>
             </a:r>
             <a:br>
               <a:rPr lang="pt-PT" sz="1000" b="1" i="1" dirty="0">
@@ -8439,7 +8550,7 @@
                 </a:solidFill>
                 <a:latin typeface="Arial" charset="0"/>
               </a:rPr>
-              <a:t>SCO-T1-A02</a:t>
+              <a:t>SCO-T1-A01</a:t>
             </a:r>
             <a:br>
               <a:rPr lang="pt-PT" sz="1000" b="1" i="1" dirty="0">
@@ -8633,7 +8744,7 @@
             </a:r>
             <a:r>
               <a:rPr lang="pt-PT" sz="1600" dirty="0" err="1"/>
-              <a:t>logic</a:t>
+              <a:t>Logic</a:t>
             </a:r>
             <a:r>
               <a:rPr lang="pt-PT" sz="1600" dirty="0"/>
@@ -8641,7 +8752,7 @@
             </a:r>
             <a:r>
               <a:rPr lang="pt-PT" sz="1600" dirty="0" err="1"/>
-              <a:t>unit</a:t>
+              <a:t>Unit</a:t>
             </a:r>
             <a:r>
               <a:rPr lang="pt-PT" sz="1600" b="0" i="0" dirty="0"/>
@@ -8709,7 +8820,7 @@
             </a:pPr>
             <a:r>
               <a:rPr lang="pt-PT" sz="1600" b="0" i="0" dirty="0"/>
-              <a:t>Status: valor adiciona (como </a:t>
+              <a:t>Status: valor a adicionar (como </a:t>
             </a:r>
             <a:r>
               <a:rPr lang="pt-PT" sz="1600" b="0" dirty="0" err="1"/>
@@ -9756,7 +9867,7 @@
             </a:r>
             <a:r>
               <a:rPr lang="pt-PT" sz="1600" b="0" i="0" dirty="0"/>
-              <a:t> do Z80 (8bits):</a:t>
+              <a:t> do Z80 (8 bit):</a:t>
             </a:r>
           </a:p>
           <a:p>
@@ -9960,7 +10071,7 @@
             </a:r>
             <a:r>
               <a:rPr lang="pt-PT" sz="1600" b="0" i="0" dirty="0"/>
-              <a:t> – Interrupções (mascarável e não).  </a:t>
+              <a:t> – Interrupções (mascarável e não mascarável).  </a:t>
             </a:r>
           </a:p>
           <a:p>
@@ -9985,8 +10096,12 @@
               <a:buChar char="Ø"/>
             </a:pPr>
             <a:r>
+              <a:rPr lang="pt-PT" sz="1600" b="0" dirty="0"/>
+              <a:t>Package</a:t>
+            </a:r>
+            <a:r>
               <a:rPr lang="pt-PT" sz="1600" b="0" i="0" dirty="0"/>
-              <a:t>Package com 40 pinos:</a:t>
+              <a:t> com 40 pinos:</a:t>
             </a:r>
           </a:p>
           <a:p>
@@ -10594,7 +10709,7 @@
             </a:r>
             <a:r>
               <a:rPr lang="pt-PT" sz="1600" b="0" i="0" dirty="0"/>
-              <a:t> ou </a:t>
+              <a:t> e </a:t>
             </a:r>
             <a:r>
               <a:rPr lang="pt-PT" sz="1600" i="0" dirty="0"/>
@@ -10623,7 +10738,7 @@
             </a:r>
             <a:r>
               <a:rPr lang="pt-PT" sz="1600" b="0" i="0" dirty="0"/>
-              <a:t> de forma dependente e coordenada, e.g. </a:t>
+              <a:t> funcionam de uma forma dependente e coordenada, e.g. </a:t>
             </a:r>
             <a:r>
               <a:rPr lang="pt-PT" sz="1600" b="0" dirty="0"/>
@@ -10691,7 +10806,7 @@
         </p:blipFill>
         <p:spPr bwMode="auto">
           <a:xfrm>
-            <a:off x="2771800" y="2446345"/>
+            <a:off x="4265926" y="2446345"/>
             <a:ext cx="4194506" cy="3073524"/>
           </a:xfrm>
           <a:prstGeom prst="rect">
@@ -13010,6 +13125,51 @@
             </a:r>
           </a:p>
           <a:p>
+            <a:pPr marL="536575" lvl="1" indent="-184150" algn="l" defTabSz="624078">
+              <a:lnSpc>
+                <a:spcPct val="120000"/>
+              </a:lnSpc>
+              <a:buFont typeface="Wingdings" pitchFamily="2" charset="2"/>
+              <a:buChar char="Ø"/>
+            </a:pPr>
+            <a:r>
+              <a:rPr lang="pt-PT" sz="1600" b="0" i="0" dirty="0"/>
+              <a:t>Somador de 1 bit (</a:t>
+            </a:r>
+            <a:r>
+              <a:rPr lang="pt-PT" sz="1600" i="0" dirty="0" err="1"/>
+              <a:t>half</a:t>
+            </a:r>
+            <a:r>
+              <a:rPr lang="pt-PT" sz="1600" i="0" dirty="0"/>
+              <a:t> </a:t>
+            </a:r>
+            <a:r>
+              <a:rPr lang="pt-PT" sz="1600" i="0" dirty="0" err="1"/>
+              <a:t>adder</a:t>
+            </a:r>
+            <a:r>
+              <a:rPr lang="pt-PT" sz="1600" b="0" i="0" dirty="0"/>
+              <a:t>) e </a:t>
+            </a:r>
+            <a:r>
+              <a:rPr lang="pt-PT" sz="1600" dirty="0" err="1"/>
+              <a:t>full</a:t>
+            </a:r>
+            <a:r>
+              <a:rPr lang="pt-PT" sz="1600" dirty="0"/>
+              <a:t> </a:t>
+            </a:r>
+            <a:r>
+              <a:rPr lang="pt-PT" sz="1600" dirty="0" err="1"/>
+              <a:t>adder</a:t>
+            </a:r>
+            <a:r>
+              <a:rPr lang="pt-PT" sz="1600" b="0" i="0" dirty="0"/>
+              <a:t>, ALU.</a:t>
+            </a:r>
+          </a:p>
+          <a:p>
             <a:pPr marL="271463" indent="-271463" algn="l" defTabSz="624078">
               <a:lnSpc>
                 <a:spcPct val="120000"/>
@@ -13028,51 +13188,6 @@
             <a:r>
               <a:rPr lang="pt-PT" sz="2000" i="0" dirty="0"/>
               <a:t>:</a:t>
-            </a:r>
-          </a:p>
-          <a:p>
-            <a:pPr marL="536575" lvl="1" indent="-184150" algn="l" defTabSz="624078">
-              <a:lnSpc>
-                <a:spcPct val="120000"/>
-              </a:lnSpc>
-              <a:buFont typeface="Wingdings" pitchFamily="2" charset="2"/>
-              <a:buChar char="Ø"/>
-            </a:pPr>
-            <a:r>
-              <a:rPr lang="pt-PT" sz="1600" b="0" i="0" dirty="0"/>
-              <a:t>Somador de 1 bit (</a:t>
-            </a:r>
-            <a:r>
-              <a:rPr lang="pt-PT" sz="1600" i="0" dirty="0" err="1"/>
-              <a:t>half</a:t>
-            </a:r>
-            <a:r>
-              <a:rPr lang="pt-PT" sz="1600" i="0" dirty="0"/>
-              <a:t> </a:t>
-            </a:r>
-            <a:r>
-              <a:rPr lang="pt-PT" sz="1600" i="0" dirty="0" err="1"/>
-              <a:t>adder</a:t>
-            </a:r>
-            <a:r>
-              <a:rPr lang="pt-PT" sz="1600" b="0" i="0" dirty="0"/>
-              <a:t>) e </a:t>
-            </a:r>
-            <a:r>
-              <a:rPr lang="pt-PT" sz="1600" dirty="0" err="1"/>
-              <a:t>full</a:t>
-            </a:r>
-            <a:r>
-              <a:rPr lang="pt-PT" sz="1600" dirty="0"/>
-              <a:t> </a:t>
-            </a:r>
-            <a:r>
-              <a:rPr lang="pt-PT" sz="1600" dirty="0" err="1"/>
-              <a:t>adder</a:t>
-            </a:r>
-            <a:r>
-              <a:rPr lang="pt-PT" sz="1600" b="0" i="0" dirty="0"/>
-              <a:t>;</a:t>
             </a:r>
           </a:p>
           <a:p>
@@ -13999,6 +14114,670 @@
 </file>
 
 <file path=ppt/slides/slide22.xml><?xml version="1.0" encoding="utf-8"?>
+<p:sld xmlns:a="http://schemas.openxmlformats.org/drawingml/2006/main" xmlns:r="http://schemas.openxmlformats.org/officeDocument/2006/relationships" xmlns:p="http://schemas.openxmlformats.org/presentationml/2006/main">
+  <p:cSld>
+    <p:spTree>
+      <p:nvGrpSpPr>
+        <p:cNvPr id="1" name=""/>
+        <p:cNvGrpSpPr/>
+        <p:nvPr/>
+      </p:nvGrpSpPr>
+      <p:grpSpPr>
+        <a:xfrm>
+          <a:off x="0" y="0"/>
+          <a:ext cx="0" cy="0"/>
+          <a:chOff x="0" y="0"/>
+          <a:chExt cx="0" cy="0"/>
+        </a:xfrm>
+      </p:grpSpPr>
+      <p:sp>
+        <p:nvSpPr>
+          <p:cNvPr id="258050" name="Rectangle 2"/>
+          <p:cNvSpPr>
+            <a:spLocks noGrp="1" noChangeArrowheads="1"/>
+          </p:cNvSpPr>
+          <p:nvPr>
+            <p:ph type="title" idx="4294967295"/>
+          </p:nvPr>
+        </p:nvSpPr>
+        <p:spPr bwMode="auto">
+          <a:xfrm>
+            <a:off x="3006330" y="216959"/>
+            <a:ext cx="5310086" cy="420688"/>
+          </a:xfrm>
+          <a:prstGeom prst="rect">
+            <a:avLst/>
+          </a:prstGeom>
+          <a:noFill/>
+          <a:ln>
+            <a:miter lim="800000"/>
+            <a:headEnd/>
+            <a:tailEnd/>
+          </a:ln>
+        </p:spPr>
+        <p:txBody>
+          <a:bodyPr vert="horz" wrap="square" lIns="71323" tIns="35662" rIns="71323" bIns="35662" numCol="1" anchor="t" anchorCtr="0" compatLnSpc="1">
+            <a:prstTxWarp prst="textNoShape">
+              <a:avLst/>
+            </a:prstTxWarp>
+          </a:bodyPr>
+          <a:lstStyle/>
+          <a:p>
+            <a:pPr algn="r"/>
+            <a:r>
+              <a:rPr lang="pt-PT" sz="1000" b="1" i="1" dirty="0">
+                <a:solidFill>
+                  <a:srgbClr val="FF0000"/>
+                </a:solidFill>
+                <a:latin typeface="Arial" charset="0"/>
+              </a:rPr>
+              <a:t>SCO-T1-A02</a:t>
+            </a:r>
+            <a:br>
+              <a:rPr lang="pt-PT" sz="1000" b="1" i="1" dirty="0">
+                <a:solidFill>
+                  <a:srgbClr val="FF0000"/>
+                </a:solidFill>
+                <a:latin typeface="Arial" charset="0"/>
+              </a:rPr>
+            </a:br>
+            <a:r>
+              <a:rPr lang="pt-PT" sz="1800" b="1" i="1" cap="small" dirty="0">
+                <a:solidFill>
+                  <a:srgbClr val="FF0000"/>
+                </a:solidFill>
+                <a:latin typeface="Arial" charset="0"/>
+              </a:rPr>
+              <a:t>Outros </a:t>
+            </a:r>
+            <a:r>
+              <a:rPr lang="pt-PT" sz="1800" b="1" i="1" cap="small" dirty="0" err="1">
+                <a:solidFill>
+                  <a:srgbClr val="FF0000"/>
+                </a:solidFill>
+                <a:latin typeface="Arial" charset="0"/>
+              </a:rPr>
+              <a:t>CPUs</a:t>
+            </a:r>
+            <a:endParaRPr lang="pt-PT" sz="1600" b="1" i="1" cap="small" dirty="0">
+              <a:solidFill>
+                <a:srgbClr val="FF0000"/>
+              </a:solidFill>
+              <a:latin typeface="Arial" charset="0"/>
+            </a:endParaRPr>
+          </a:p>
+        </p:txBody>
+      </p:sp>
+      <p:sp>
+        <p:nvSpPr>
+          <p:cNvPr id="5" name="Text Box 19">
+            <a:extLst>
+              <a:ext uri="{FF2B5EF4-FFF2-40B4-BE49-F238E27FC236}">
+                <a16:creationId xmlns:a16="http://schemas.microsoft.com/office/drawing/2014/main" id="{FEFA3124-58A4-4D84-9803-A69939F56770}"/>
+              </a:ext>
+            </a:extLst>
+          </p:cNvPr>
+          <p:cNvSpPr txBox="1">
+            <a:spLocks noChangeArrowheads="1"/>
+          </p:cNvSpPr>
+          <p:nvPr/>
+        </p:nvSpPr>
+        <p:spPr bwMode="auto">
+          <a:xfrm>
+            <a:off x="467544" y="5138210"/>
+            <a:ext cx="8280920" cy="195131"/>
+          </a:xfrm>
+          <a:prstGeom prst="rect">
+            <a:avLst/>
+          </a:prstGeom>
+          <a:noFill/>
+          <a:ln w="9525" algn="ctr">
+            <a:noFill/>
+            <a:miter lim="800000"/>
+            <a:headEnd/>
+            <a:tailEnd/>
+          </a:ln>
+          <a:effectLst/>
+        </p:spPr>
+        <p:txBody>
+          <a:bodyPr wrap="square" lIns="71323" tIns="35662" rIns="71323" bIns="35662">
+            <a:spAutoFit/>
+          </a:bodyPr>
+          <a:lstStyle/>
+          <a:p>
+            <a:pPr algn="l" eaLnBrk="1" hangingPunct="1">
+              <a:spcBef>
+                <a:spcPct val="50000"/>
+              </a:spcBef>
+            </a:pPr>
+            <a:r>
+              <a:rPr lang="pt-PT" sz="800" b="0" dirty="0"/>
+              <a:t>Nota: Imagens obtida nos </a:t>
+            </a:r>
+            <a:r>
+              <a:rPr lang="pt-PT" sz="800" b="0" dirty="0" err="1"/>
+              <a:t>URLs</a:t>
+            </a:r>
+            <a:r>
+              <a:rPr lang="pt-PT" sz="800" b="0" dirty="0"/>
+              <a:t> indicados</a:t>
+            </a:r>
+          </a:p>
+        </p:txBody>
+      </p:sp>
+      <p:pic>
+        <p:nvPicPr>
+          <p:cNvPr id="3" name="Picture 2">
+            <a:extLst>
+              <a:ext uri="{FF2B5EF4-FFF2-40B4-BE49-F238E27FC236}">
+                <a16:creationId xmlns:a16="http://schemas.microsoft.com/office/drawing/2014/main" id="{DCFFAB18-779C-41FC-9903-BD7A29E19AF2}"/>
+              </a:ext>
+            </a:extLst>
+          </p:cNvPr>
+          <p:cNvPicPr>
+            <a:picLocks noChangeAspect="1" noChangeArrowheads="1"/>
+          </p:cNvPicPr>
+          <p:nvPr/>
+        </p:nvPicPr>
+        <p:blipFill>
+          <a:blip r:embed="rId3">
+            <a:extLst>
+              <a:ext uri="{28A0092B-C50C-407E-A947-70E740481C1C}">
+                <a14:useLocalDpi xmlns:a14="http://schemas.microsoft.com/office/drawing/2010/main" val="0"/>
+              </a:ext>
+            </a:extLst>
+          </a:blip>
+          <a:srcRect/>
+          <a:stretch>
+            <a:fillRect/>
+          </a:stretch>
+        </p:blipFill>
+        <p:spPr bwMode="auto">
+          <a:xfrm>
+            <a:off x="6292924" y="2144692"/>
+            <a:ext cx="2095500" cy="1400175"/>
+          </a:xfrm>
+          <a:prstGeom prst="rect">
+            <a:avLst/>
+          </a:prstGeom>
+          <a:noFill/>
+          <a:extLst>
+            <a:ext uri="{909E8E84-426E-40DD-AFC4-6F175D3DCCD1}">
+              <a14:hiddenFill xmlns:a14="http://schemas.microsoft.com/office/drawing/2010/main">
+                <a:solidFill>
+                  <a:srgbClr val="FFFFFF"/>
+                </a:solidFill>
+              </a14:hiddenFill>
+            </a:ext>
+          </a:extLst>
+        </p:spPr>
+      </p:pic>
+      <p:sp>
+        <p:nvSpPr>
+          <p:cNvPr id="9" name="Rectangle 23">
+            <a:extLst>
+              <a:ext uri="{FF2B5EF4-FFF2-40B4-BE49-F238E27FC236}">
+                <a16:creationId xmlns:a16="http://schemas.microsoft.com/office/drawing/2014/main" id="{1969082D-4779-46FF-BA52-C1B09AB0292A}"/>
+              </a:ext>
+            </a:extLst>
+          </p:cNvPr>
+          <p:cNvSpPr>
+            <a:spLocks noChangeArrowheads="1"/>
+          </p:cNvSpPr>
+          <p:nvPr/>
+        </p:nvSpPr>
+        <p:spPr bwMode="auto">
+          <a:xfrm>
+            <a:off x="540000" y="841276"/>
+            <a:ext cx="7848424" cy="1287007"/>
+          </a:xfrm>
+          <a:prstGeom prst="rect">
+            <a:avLst/>
+          </a:prstGeom>
+          <a:noFill/>
+          <a:ln w="9525">
+            <a:noFill/>
+            <a:miter lim="800000"/>
+            <a:headEnd/>
+            <a:tailEnd/>
+          </a:ln>
+          <a:effectLst/>
+        </p:spPr>
+        <p:txBody>
+          <a:bodyPr wrap="square" lIns="62408" tIns="31204" rIns="62408" bIns="31204">
+            <a:spAutoFit/>
+          </a:bodyPr>
+          <a:lstStyle/>
+          <a:p>
+            <a:pPr algn="l" defTabSz="624078">
+              <a:lnSpc>
+                <a:spcPct val="120000"/>
+              </a:lnSpc>
+            </a:pPr>
+            <a:r>
+              <a:rPr lang="pt-BR" sz="2000" b="0" i="0" dirty="0"/>
+              <a:t>Outros CPS:</a:t>
+            </a:r>
+          </a:p>
+          <a:p>
+            <a:pPr marL="357188" lvl="1" indent="-177800" algn="just" defTabSz="624078">
+              <a:lnSpc>
+                <a:spcPct val="120000"/>
+              </a:lnSpc>
+              <a:buFont typeface="Wingdings" pitchFamily="2" charset="2"/>
+              <a:buChar char="Ø"/>
+            </a:pPr>
+            <a:r>
+              <a:rPr lang="pt-BR" sz="1600" b="0" i="0" dirty="0"/>
+              <a:t>Intel 4004 (4 bit:): </a:t>
+            </a:r>
+            <a:r>
+              <a:rPr lang="pt-BR" sz="1600" b="0" i="0" dirty="0">
+                <a:solidFill>
+                  <a:schemeClr val="accent2"/>
+                </a:solidFill>
+                <a:hlinkClick r:id="rId4">
+                  <a:extLst>
+                    <a:ext uri="{A12FA001-AC4F-418D-AE19-62706E023703}">
+                      <ahyp:hlinkClr xmlns:ahyp="http://schemas.microsoft.com/office/drawing/2018/hyperlinkcolor" val="tx"/>
+                    </a:ext>
+                  </a:extLst>
+                </a:hlinkClick>
+              </a:rPr>
+              <a:t>https://en.wikipedia.org/wiki/Intel_4004</a:t>
+            </a:r>
+            <a:r>
+              <a:rPr lang="pt-BR" sz="1600" b="0" i="0" dirty="0"/>
+              <a:t>;</a:t>
+            </a:r>
+          </a:p>
+          <a:p>
+            <a:pPr marL="357188" lvl="1" indent="-177800" algn="just" defTabSz="624078">
+              <a:lnSpc>
+                <a:spcPct val="120000"/>
+              </a:lnSpc>
+              <a:buFont typeface="Wingdings" pitchFamily="2" charset="2"/>
+              <a:buChar char="Ø"/>
+            </a:pPr>
+            <a:r>
+              <a:rPr lang="pt-BR" sz="1600" b="0" i="0" dirty="0"/>
+              <a:t>Intel 8008 (8 bit): </a:t>
+            </a:r>
+            <a:r>
+              <a:rPr lang="pt-BR" sz="1600" b="0" i="0" dirty="0">
+                <a:solidFill>
+                  <a:schemeClr val="accent2"/>
+                </a:solidFill>
+                <a:hlinkClick r:id="rId5">
+                  <a:extLst>
+                    <a:ext uri="{A12FA001-AC4F-418D-AE19-62706E023703}">
+                      <ahyp:hlinkClr xmlns:ahyp="http://schemas.microsoft.com/office/drawing/2018/hyperlinkcolor" val="tx"/>
+                    </a:ext>
+                  </a:extLst>
+                </a:hlinkClick>
+              </a:rPr>
+              <a:t>https://en.wikipedia.org/wiki/Intel_8008</a:t>
+            </a:r>
+            <a:r>
+              <a:rPr lang="pt-BR" sz="1600" b="0" i="0" dirty="0"/>
+              <a:t>;</a:t>
+            </a:r>
+          </a:p>
+          <a:p>
+            <a:pPr marL="357188" lvl="1" indent="-177800" algn="just" defTabSz="624078">
+              <a:lnSpc>
+                <a:spcPct val="120000"/>
+              </a:lnSpc>
+              <a:buFont typeface="Wingdings" pitchFamily="2" charset="2"/>
+              <a:buChar char="Ø"/>
+            </a:pPr>
+            <a:r>
+              <a:rPr lang="pt-BR" sz="1600" b="0" i="0" dirty="0"/>
+              <a:t>Apple M1 Ultra (64 bit): </a:t>
+            </a:r>
+            <a:r>
+              <a:rPr lang="pt-BR" sz="1600" b="0" i="0" dirty="0">
+                <a:solidFill>
+                  <a:schemeClr val="accent2"/>
+                </a:solidFill>
+                <a:hlinkClick r:id="rId6">
+                  <a:extLst>
+                    <a:ext uri="{A12FA001-AC4F-418D-AE19-62706E023703}">
+                      <ahyp:hlinkClr xmlns:ahyp="http://schemas.microsoft.com/office/drawing/2018/hyperlinkcolor" val="tx"/>
+                    </a:ext>
+                  </a:extLst>
+                </a:hlinkClick>
+              </a:rPr>
+              <a:t>https://www.youtube.com/watch?v=H0KPhhpQHcs</a:t>
+            </a:r>
+            <a:r>
+              <a:rPr lang="pt-BR" sz="1600" b="0" i="0" dirty="0"/>
+              <a:t>;</a:t>
+            </a:r>
+          </a:p>
+        </p:txBody>
+      </p:sp>
+      <p:pic>
+        <p:nvPicPr>
+          <p:cNvPr id="6" name="Picture 4">
+            <a:extLst>
+              <a:ext uri="{FF2B5EF4-FFF2-40B4-BE49-F238E27FC236}">
+                <a16:creationId xmlns:a16="http://schemas.microsoft.com/office/drawing/2014/main" id="{395B7086-5AEB-4B14-9C28-C896C09F62E3}"/>
+              </a:ext>
+            </a:extLst>
+          </p:cNvPr>
+          <p:cNvPicPr>
+            <a:picLocks noChangeAspect="1" noChangeArrowheads="1"/>
+          </p:cNvPicPr>
+          <p:nvPr/>
+        </p:nvPicPr>
+        <p:blipFill>
+          <a:blip r:embed="rId7">
+            <a:extLst>
+              <a:ext uri="{28A0092B-C50C-407E-A947-70E740481C1C}">
+                <a14:useLocalDpi xmlns:a14="http://schemas.microsoft.com/office/drawing/2010/main" val="0"/>
+              </a:ext>
+            </a:extLst>
+          </a:blip>
+          <a:srcRect/>
+          <a:stretch>
+            <a:fillRect/>
+          </a:stretch>
+        </p:blipFill>
+        <p:spPr bwMode="auto">
+          <a:xfrm>
+            <a:off x="6292924" y="3703891"/>
+            <a:ext cx="2095500" cy="1343025"/>
+          </a:xfrm>
+          <a:prstGeom prst="rect">
+            <a:avLst/>
+          </a:prstGeom>
+          <a:noFill/>
+          <a:extLst>
+            <a:ext uri="{909E8E84-426E-40DD-AFC4-6F175D3DCCD1}">
+              <a14:hiddenFill xmlns:a14="http://schemas.microsoft.com/office/drawing/2010/main">
+                <a:solidFill>
+                  <a:srgbClr val="FFFFFF"/>
+                </a:solidFill>
+              </a14:hiddenFill>
+            </a:ext>
+          </a:extLst>
+        </p:spPr>
+      </p:pic>
+    </p:spTree>
+    <p:extLst>
+      <p:ext uri="{BB962C8B-B14F-4D97-AF65-F5344CB8AC3E}">
+        <p14:creationId xmlns:p14="http://schemas.microsoft.com/office/powerpoint/2010/main" val="4255414243"/>
+      </p:ext>
+    </p:extLst>
+  </p:cSld>
+  <p:clrMapOvr>
+    <a:masterClrMapping/>
+  </p:clrMapOvr>
+  <p:timing>
+    <p:tnLst>
+      <p:par>
+        <p:cTn id="1" dur="indefinite" restart="never" nodeType="tmRoot">
+          <p:childTnLst>
+            <p:seq concurrent="1" nextAc="seek">
+              <p:cTn id="2" dur="indefinite" nodeType="mainSeq">
+                <p:childTnLst>
+                  <p:par>
+                    <p:cTn id="3" fill="hold">
+                      <p:stCondLst>
+                        <p:cond delay="indefinite"/>
+                        <p:cond evt="onBegin" delay="0">
+                          <p:tn val="2"/>
+                        </p:cond>
+                      </p:stCondLst>
+                      <p:childTnLst>
+                        <p:par>
+                          <p:cTn id="4" fill="hold">
+                            <p:stCondLst>
+                              <p:cond delay="0"/>
+                            </p:stCondLst>
+                            <p:childTnLst>
+                              <p:par>
+                                <p:cTn id="5" presetID="1" presetClass="entr" presetSubtype="0" fill="hold" grpId="0" nodeType="afterEffect">
+                                  <p:stCondLst>
+                                    <p:cond delay="0"/>
+                                  </p:stCondLst>
+                                  <p:childTnLst>
+                                    <p:set>
+                                      <p:cBhvr>
+                                        <p:cTn id="6" dur="1" fill="hold">
+                                          <p:stCondLst>
+                                            <p:cond delay="0"/>
+                                          </p:stCondLst>
+                                        </p:cTn>
+                                        <p:tgtEl>
+                                          <p:spTgt spid="5"/>
+                                        </p:tgtEl>
+                                        <p:attrNameLst>
+                                          <p:attrName>style.visibility</p:attrName>
+                                        </p:attrNameLst>
+                                      </p:cBhvr>
+                                      <p:to>
+                                        <p:strVal val="visible"/>
+                                      </p:to>
+                                    </p:set>
+                                  </p:childTnLst>
+                                </p:cTn>
+                              </p:par>
+                            </p:childTnLst>
+                          </p:cTn>
+                        </p:par>
+                        <p:par>
+                          <p:cTn id="7" fill="hold">
+                            <p:stCondLst>
+                              <p:cond delay="0"/>
+                            </p:stCondLst>
+                            <p:childTnLst>
+                              <p:par>
+                                <p:cTn id="8" presetID="42" presetClass="entr" presetSubtype="0" fill="hold" grpId="0" nodeType="afterEffect">
+                                  <p:stCondLst>
+                                    <p:cond delay="0"/>
+                                  </p:stCondLst>
+                                  <p:childTnLst>
+                                    <p:set>
+                                      <p:cBhvr>
+                                        <p:cTn id="9" dur="1" fill="hold">
+                                          <p:stCondLst>
+                                            <p:cond delay="0"/>
+                                          </p:stCondLst>
+                                        </p:cTn>
+                                        <p:tgtEl>
+                                          <p:spTgt spid="9"/>
+                                        </p:tgtEl>
+                                        <p:attrNameLst>
+                                          <p:attrName>style.visibility</p:attrName>
+                                        </p:attrNameLst>
+                                      </p:cBhvr>
+                                      <p:to>
+                                        <p:strVal val="visible"/>
+                                      </p:to>
+                                    </p:set>
+                                    <p:animEffect transition="in" filter="fade">
+                                      <p:cBhvr>
+                                        <p:cTn id="10" dur="500"/>
+                                        <p:tgtEl>
+                                          <p:spTgt spid="9"/>
+                                        </p:tgtEl>
+                                      </p:cBhvr>
+                                    </p:animEffect>
+                                    <p:anim calcmode="lin" valueType="num">
+                                      <p:cBhvr>
+                                        <p:cTn id="11" dur="500" fill="hold"/>
+                                        <p:tgtEl>
+                                          <p:spTgt spid="9"/>
+                                        </p:tgtEl>
+                                        <p:attrNameLst>
+                                          <p:attrName>ppt_x</p:attrName>
+                                        </p:attrNameLst>
+                                      </p:cBhvr>
+                                      <p:tavLst>
+                                        <p:tav tm="0">
+                                          <p:val>
+                                            <p:strVal val="#ppt_x"/>
+                                          </p:val>
+                                        </p:tav>
+                                        <p:tav tm="100000">
+                                          <p:val>
+                                            <p:strVal val="#ppt_x"/>
+                                          </p:val>
+                                        </p:tav>
+                                      </p:tavLst>
+                                    </p:anim>
+                                    <p:anim calcmode="lin" valueType="num">
+                                      <p:cBhvr>
+                                        <p:cTn id="12" dur="500" fill="hold"/>
+                                        <p:tgtEl>
+                                          <p:spTgt spid="9"/>
+                                        </p:tgtEl>
+                                        <p:attrNameLst>
+                                          <p:attrName>ppt_y</p:attrName>
+                                        </p:attrNameLst>
+                                      </p:cBhvr>
+                                      <p:tavLst>
+                                        <p:tav tm="0">
+                                          <p:val>
+                                            <p:strVal val="#ppt_y+.1"/>
+                                          </p:val>
+                                        </p:tav>
+                                        <p:tav tm="100000">
+                                          <p:val>
+                                            <p:strVal val="#ppt_y"/>
+                                          </p:val>
+                                        </p:tav>
+                                      </p:tavLst>
+                                    </p:anim>
+                                  </p:childTnLst>
+                                </p:cTn>
+                              </p:par>
+                            </p:childTnLst>
+                          </p:cTn>
+                        </p:par>
+                        <p:par>
+                          <p:cTn id="13" fill="hold">
+                            <p:stCondLst>
+                              <p:cond delay="500"/>
+                            </p:stCondLst>
+                            <p:childTnLst>
+                              <p:par>
+                                <p:cTn id="14" presetID="9" presetClass="entr" presetSubtype="0" fill="hold" nodeType="afterEffect">
+                                  <p:stCondLst>
+                                    <p:cond delay="0"/>
+                                  </p:stCondLst>
+                                  <p:childTnLst>
+                                    <p:set>
+                                      <p:cBhvr>
+                                        <p:cTn id="15" dur="1" fill="hold">
+                                          <p:stCondLst>
+                                            <p:cond delay="0"/>
+                                          </p:stCondLst>
+                                        </p:cTn>
+                                        <p:tgtEl>
+                                          <p:spTgt spid="3"/>
+                                        </p:tgtEl>
+                                        <p:attrNameLst>
+                                          <p:attrName>style.visibility</p:attrName>
+                                        </p:attrNameLst>
+                                      </p:cBhvr>
+                                      <p:to>
+                                        <p:strVal val="visible"/>
+                                      </p:to>
+                                    </p:set>
+                                    <p:animEffect transition="in" filter="dissolve">
+                                      <p:cBhvr>
+                                        <p:cTn id="16" dur="500"/>
+                                        <p:tgtEl>
+                                          <p:spTgt spid="3"/>
+                                        </p:tgtEl>
+                                      </p:cBhvr>
+                                    </p:animEffect>
+                                  </p:childTnLst>
+                                </p:cTn>
+                              </p:par>
+                            </p:childTnLst>
+                          </p:cTn>
+                        </p:par>
+                        <p:par>
+                          <p:cTn id="17" fill="hold">
+                            <p:stCondLst>
+                              <p:cond delay="1000"/>
+                            </p:stCondLst>
+                            <p:childTnLst>
+                              <p:par>
+                                <p:cTn id="18" presetID="9" presetClass="entr" presetSubtype="0" fill="hold" nodeType="afterEffect">
+                                  <p:stCondLst>
+                                    <p:cond delay="0"/>
+                                  </p:stCondLst>
+                                  <p:childTnLst>
+                                    <p:set>
+                                      <p:cBhvr>
+                                        <p:cTn id="19" dur="1" fill="hold">
+                                          <p:stCondLst>
+                                            <p:cond delay="0"/>
+                                          </p:stCondLst>
+                                        </p:cTn>
+                                        <p:tgtEl>
+                                          <p:spTgt spid="6"/>
+                                        </p:tgtEl>
+                                        <p:attrNameLst>
+                                          <p:attrName>style.visibility</p:attrName>
+                                        </p:attrNameLst>
+                                      </p:cBhvr>
+                                      <p:to>
+                                        <p:strVal val="visible"/>
+                                      </p:to>
+                                    </p:set>
+                                    <p:animEffect transition="in" filter="dissolve">
+                                      <p:cBhvr>
+                                        <p:cTn id="20" dur="500"/>
+                                        <p:tgtEl>
+                                          <p:spTgt spid="6"/>
+                                        </p:tgtEl>
+                                      </p:cBhvr>
+                                    </p:animEffect>
+                                  </p:childTnLst>
+                                </p:cTn>
+                              </p:par>
+                            </p:childTnLst>
+                          </p:cTn>
+                        </p:par>
+                      </p:childTnLst>
+                    </p:cTn>
+                  </p:par>
+                </p:childTnLst>
+              </p:cTn>
+              <p:prevCondLst>
+                <p:cond evt="onPrev" delay="0">
+                  <p:tgtEl>
+                    <p:sldTgt/>
+                  </p:tgtEl>
+                </p:cond>
+              </p:prevCondLst>
+              <p:nextCondLst>
+                <p:cond evt="onNext" delay="0">
+                  <p:tgtEl>
+                    <p:sldTgt/>
+                  </p:tgtEl>
+                </p:cond>
+              </p:nextCondLst>
+            </p:seq>
+          </p:childTnLst>
+        </p:cTn>
+      </p:par>
+    </p:tnLst>
+    <p:bldLst>
+      <p:bldP spid="5" grpId="0"/>
+      <p:bldP spid="9" grpId="0"/>
+    </p:bldLst>
+  </p:timing>
+</p:sld>
+</file>
+
+<file path=ppt/slides/slide23.xml><?xml version="1.0" encoding="utf-8"?>
 <p:sld xmlns:a="http://schemas.openxmlformats.org/drawingml/2006/main" xmlns:r="http://schemas.openxmlformats.org/officeDocument/2006/relationships" xmlns:p="http://schemas.openxmlformats.org/presentationml/2006/main">
   <p:cSld>
     <p:spTree>
@@ -15820,7 +16599,7 @@
         </p:nvGrpSpPr>
         <p:grpSpPr>
           <a:xfrm>
-            <a:off x="4139952" y="909354"/>
+            <a:off x="4139952" y="946284"/>
             <a:ext cx="4386520" cy="2447925"/>
             <a:chOff x="4139952" y="909354"/>
             <a:chExt cx="4386520" cy="2447925"/>
@@ -16221,15 +17000,24 @@
                                   </p:childTnLst>
                                 </p:cTn>
                               </p:par>
+                            </p:childTnLst>
+                          </p:cTn>
+                        </p:par>
+                        <p:par>
+                          <p:cTn id="10" fill="hold">
+                            <p:stCondLst>
+                              <p:cond delay="500"/>
+                            </p:stCondLst>
+                            <p:childTnLst>
                               <p:par>
-                                <p:cTn id="10" presetID="10" presetClass="entr" presetSubtype="0" fill="hold" nodeType="withEffect">
+                                <p:cTn id="11" presetID="10" presetClass="entr" presetSubtype="0" fill="hold" nodeType="afterEffect">
                                   <p:stCondLst>
                                     <p:cond delay="0"/>
                                   </p:stCondLst>
                                   <p:childTnLst>
                                     <p:set>
                                       <p:cBhvr>
-                                        <p:cTn id="11" dur="1" fill="hold">
+                                        <p:cTn id="12" dur="1" fill="hold">
                                           <p:stCondLst>
                                             <p:cond delay="0"/>
                                           </p:stCondLst>
@@ -16247,7 +17035,7 @@
                                     </p:set>
                                     <p:animEffect transition="in" filter="fade">
                                       <p:cBhvr>
-                                        <p:cTn id="12" dur="500"/>
+                                        <p:cTn id="13" dur="500"/>
                                         <p:tgtEl>
                                           <p:spTgt spid="2"/>
                                         </p:tgtEl>
@@ -16260,20 +17048,20 @@
                           </p:cTn>
                         </p:par>
                         <p:par>
-                          <p:cTn id="13" fill="hold">
+                          <p:cTn id="14" fill="hold">
                             <p:stCondLst>
-                              <p:cond delay="500"/>
+                              <p:cond delay="1000"/>
                             </p:stCondLst>
                             <p:childTnLst>
                               <p:par>
-                                <p:cTn id="14" presetID="10" presetClass="entr" presetSubtype="0" fill="hold" nodeType="afterEffect">
+                                <p:cTn id="15" presetID="10" presetClass="entr" presetSubtype="0" fill="hold" nodeType="afterEffect">
                                   <p:stCondLst>
                                     <p:cond delay="0"/>
                                   </p:stCondLst>
                                   <p:childTnLst>
                                     <p:set>
                                       <p:cBhvr>
-                                        <p:cTn id="15" dur="1" fill="hold">
+                                        <p:cTn id="16" dur="1" fill="hold">
                                           <p:stCondLst>
                                             <p:cond delay="0"/>
                                           </p:stCondLst>
@@ -16291,7 +17079,7 @@
                                     </p:set>
                                     <p:animEffect transition="in" filter="fade">
                                       <p:cBhvr>
-                                        <p:cTn id="16" dur="500"/>
+                                        <p:cTn id="17" dur="500"/>
                                         <p:tgtEl>
                                           <p:spTgt spid="3"/>
                                         </p:tgtEl>
@@ -16304,20 +17092,20 @@
                           </p:cTn>
                         </p:par>
                         <p:par>
-                          <p:cTn id="17" fill="hold">
+                          <p:cTn id="18" fill="hold">
                             <p:stCondLst>
-                              <p:cond delay="1000"/>
+                              <p:cond delay="1500"/>
                             </p:stCondLst>
                             <p:childTnLst>
                               <p:par>
-                                <p:cTn id="18" presetID="1" presetClass="entr" presetSubtype="0" fill="hold" grpId="0" nodeType="afterEffect">
+                                <p:cTn id="19" presetID="1" presetClass="entr" presetSubtype="0" fill="hold" grpId="0" nodeType="afterEffect">
                                   <p:stCondLst>
                                     <p:cond delay="0"/>
                                   </p:stCondLst>
                                   <p:childTnLst>
                                     <p:set>
                                       <p:cBhvr>
-                                        <p:cTn id="19" dur="1" fill="hold">
+                                        <p:cTn id="20" dur="1" fill="hold">
                                           <p:stCondLst>
                                             <p:cond delay="0"/>
                                           </p:stCondLst>

--- a/aulas/t/old/SCO-T1-A01-A02.pptx
+++ b/aulas/t/old/SCO-T1-A01-A02.pptx
@@ -3515,7 +3515,33 @@
               <a:tabLst/>
               <a:defRPr/>
             </a:pPr>
-            <a:endParaRPr lang="en-GB" dirty="0"/>
+            <a:r>
+              <a:rPr lang="en-GB" dirty="0"/>
+              <a:t>https://arstechnica.com/gadgets/2022/03/apple-announces-mac-studio-workstation-with-new-20-core-m1-ultra-chip/</a:t>
+            </a:r>
+          </a:p>
+          <a:p>
+            <a:pPr marL="0" marR="0" lvl="0" indent="0" algn="l" defTabSz="914400" rtl="0" eaLnBrk="1" fontAlgn="base" latinLnBrk="0" hangingPunct="1">
+              <a:lnSpc>
+                <a:spcPct val="100000"/>
+              </a:lnSpc>
+              <a:spcBef>
+                <a:spcPct val="30000"/>
+              </a:spcBef>
+              <a:spcAft>
+                <a:spcPct val="0"/>
+              </a:spcAft>
+              <a:buClrTx/>
+              <a:buSzTx/>
+              <a:buFontTx/>
+              <a:buNone/>
+              <a:tabLst/>
+              <a:defRPr/>
+            </a:pPr>
+            <a:r>
+              <a:rPr lang="en-GB" dirty="0"/>
+              <a:t>Ver https://en.wikipedia.org/wiki/Intel_8088</a:t>
+            </a:r>
           </a:p>
         </p:txBody>
       </p:sp>
@@ -14294,7 +14320,7 @@
         </p:blipFill>
         <p:spPr bwMode="auto">
           <a:xfrm>
-            <a:off x="6292924" y="2144692"/>
+            <a:off x="6436940" y="769268"/>
             <a:ext cx="2095500" cy="1400175"/>
           </a:xfrm>
           <a:prstGeom prst="rect">
@@ -14329,7 +14355,7 @@
         <p:spPr bwMode="auto">
           <a:xfrm>
             <a:off x="540000" y="841276"/>
-            <a:ext cx="7848424" cy="1287007"/>
+            <a:ext cx="7848424" cy="1582472"/>
           </a:xfrm>
           <a:prstGeom prst="rect">
             <a:avLst/>
@@ -14356,7 +14382,7 @@
             </a:pPr>
             <a:r>
               <a:rPr lang="pt-BR" sz="2000" b="0" i="0" dirty="0"/>
-              <a:t>Outros CPS:</a:t>
+              <a:t>Outros CPUs:</a:t>
             </a:r>
           </a:p>
           <a:p>
@@ -14433,6 +14459,38 @@
             </a:pPr>
             <a:r>
               <a:rPr lang="pt-BR" sz="1600" b="0" i="0" dirty="0"/>
+              <a:t>Intel 8086 (16 bit): </a:t>
+            </a:r>
+            <a:r>
+              <a:rPr lang="pt-BR" sz="1600" b="0" i="0" dirty="0">
+                <a:solidFill>
+                  <a:srgbClr val="0033CC"/>
+                </a:solidFill>
+                <a:hlinkClick r:id="rId6">
+                  <a:extLst>
+                    <a:ext uri="{A12FA001-AC4F-418D-AE19-62706E023703}">
+                      <ahyp:hlinkClr xmlns:ahyp="http://schemas.microsoft.com/office/drawing/2018/hyperlinkcolor" val="tx"/>
+                    </a:ext>
+                  </a:extLst>
+                </a:hlinkClick>
+              </a:rPr>
+              <a:t>https://en.wikipedia.org/wiki/Intel_8086</a:t>
+            </a:r>
+            <a:r>
+              <a:rPr lang="pt-BR" sz="1600" b="0" i="0" dirty="0"/>
+              <a:t>;</a:t>
+            </a:r>
+          </a:p>
+          <a:p>
+            <a:pPr marL="357188" lvl="1" indent="-177800" algn="just" defTabSz="624078">
+              <a:lnSpc>
+                <a:spcPct val="120000"/>
+              </a:lnSpc>
+              <a:buFont typeface="Wingdings" pitchFamily="2" charset="2"/>
+              <a:buChar char="Ø"/>
+            </a:pPr>
+            <a:r>
+              <a:rPr lang="pt-BR" sz="1600" b="0" i="0" dirty="0"/>
               <a:t>Apple M1 Ultra (64 bit): </a:t>
             </a:r>
             <a:r>
@@ -14440,7 +14498,7 @@
                 <a:solidFill>
                   <a:schemeClr val="accent2"/>
                 </a:solidFill>
-                <a:hlinkClick r:id="rId6">
+                <a:hlinkClick r:id="rId7">
                   <a:extLst>
                     <a:ext uri="{A12FA001-AC4F-418D-AE19-62706E023703}">
                       <ahyp:hlinkClr xmlns:ahyp="http://schemas.microsoft.com/office/drawing/2018/hyperlinkcolor" val="tx"/>
@@ -14472,7 +14530,7 @@
           <p:nvPr/>
         </p:nvPicPr>
         <p:blipFill>
-          <a:blip r:embed="rId7">
+          <a:blip r:embed="rId8">
             <a:extLst>
               <a:ext uri="{28A0092B-C50C-407E-A947-70E740481C1C}">
                 <a14:useLocalDpi xmlns:a14="http://schemas.microsoft.com/office/drawing/2010/main" val="0"/>
@@ -14486,8 +14544,102 @@
         </p:blipFill>
         <p:spPr bwMode="auto">
           <a:xfrm>
-            <a:off x="6292924" y="3703891"/>
+            <a:off x="755576" y="2497460"/>
             <a:ext cx="2095500" cy="1343025"/>
+          </a:xfrm>
+          <a:prstGeom prst="rect">
+            <a:avLst/>
+          </a:prstGeom>
+          <a:noFill/>
+          <a:extLst>
+            <a:ext uri="{909E8E84-426E-40DD-AFC4-6F175D3DCCD1}">
+              <a14:hiddenFill xmlns:a14="http://schemas.microsoft.com/office/drawing/2010/main">
+                <a:solidFill>
+                  <a:srgbClr val="FFFFFF"/>
+                </a:solidFill>
+              </a14:hiddenFill>
+            </a:ext>
+          </a:extLst>
+        </p:spPr>
+      </p:pic>
+      <p:pic>
+        <p:nvPicPr>
+          <p:cNvPr id="1026" name="Picture 2">
+            <a:extLst>
+              <a:ext uri="{FF2B5EF4-FFF2-40B4-BE49-F238E27FC236}">
+                <a16:creationId xmlns:a16="http://schemas.microsoft.com/office/drawing/2014/main" id="{BCFC509B-C42B-4FD3-9867-1FCA036CD833}"/>
+              </a:ext>
+            </a:extLst>
+          </p:cNvPr>
+          <p:cNvPicPr>
+            <a:picLocks noChangeAspect="1" noChangeArrowheads="1"/>
+          </p:cNvPicPr>
+          <p:nvPr/>
+        </p:nvPicPr>
+        <p:blipFill>
+          <a:blip r:embed="rId9">
+            <a:extLst>
+              <a:ext uri="{28A0092B-C50C-407E-A947-70E740481C1C}">
+                <a14:useLocalDpi xmlns:a14="http://schemas.microsoft.com/office/drawing/2010/main" val="0"/>
+              </a:ext>
+            </a:extLst>
+          </a:blip>
+          <a:srcRect/>
+          <a:stretch>
+            <a:fillRect/>
+          </a:stretch>
+        </p:blipFill>
+        <p:spPr bwMode="auto">
+          <a:xfrm>
+            <a:off x="892324" y="3721596"/>
+            <a:ext cx="2095500" cy="1400175"/>
+          </a:xfrm>
+          <a:prstGeom prst="rect">
+            <a:avLst/>
+          </a:prstGeom>
+          <a:noFill/>
+          <a:extLst>
+            <a:ext uri="{909E8E84-426E-40DD-AFC4-6F175D3DCCD1}">
+              <a14:hiddenFill xmlns:a14="http://schemas.microsoft.com/office/drawing/2010/main">
+                <a:solidFill>
+                  <a:srgbClr val="FFFFFF"/>
+                </a:solidFill>
+              </a14:hiddenFill>
+            </a:ext>
+          </a:extLst>
+        </p:spPr>
+      </p:pic>
+      <p:pic>
+        <p:nvPicPr>
+          <p:cNvPr id="1028" name="Picture 4" descr="Key specs of the new Mac Studio.">
+            <a:extLst>
+              <a:ext uri="{FF2B5EF4-FFF2-40B4-BE49-F238E27FC236}">
+                <a16:creationId xmlns:a16="http://schemas.microsoft.com/office/drawing/2014/main" id="{3BDB0787-0E87-4960-8F1F-72DA109877E9}"/>
+              </a:ext>
+            </a:extLst>
+          </p:cNvPr>
+          <p:cNvPicPr>
+            <a:picLocks noChangeAspect="1" noChangeArrowheads="1"/>
+          </p:cNvPicPr>
+          <p:nvPr/>
+        </p:nvPicPr>
+        <p:blipFill>
+          <a:blip r:embed="rId10" cstate="print">
+            <a:extLst>
+              <a:ext uri="{28A0092B-C50C-407E-A947-70E740481C1C}">
+                <a14:useLocalDpi xmlns:a14="http://schemas.microsoft.com/office/drawing/2010/main" val="0"/>
+              </a:ext>
+            </a:extLst>
+          </a:blip>
+          <a:srcRect/>
+          <a:stretch>
+            <a:fillRect/>
+          </a:stretch>
+        </p:blipFill>
+        <p:spPr bwMode="auto">
+          <a:xfrm>
+            <a:off x="3347864" y="2423748"/>
+            <a:ext cx="5148064" cy="2878804"/>
           </a:xfrm>
           <a:prstGeom prst="rect">
             <a:avLst/>
@@ -14736,6 +14888,94 @@
                                         <p:cTn id="20" dur="500"/>
                                         <p:tgtEl>
                                           <p:spTgt spid="6"/>
+                                        </p:tgtEl>
+                                      </p:cBhvr>
+                                    </p:animEffect>
+                                  </p:childTnLst>
+                                </p:cTn>
+                              </p:par>
+                            </p:childTnLst>
+                          </p:cTn>
+                        </p:par>
+                        <p:par>
+                          <p:cTn id="21" fill="hold">
+                            <p:stCondLst>
+                              <p:cond delay="1500"/>
+                            </p:stCondLst>
+                            <p:childTnLst>
+                              <p:par>
+                                <p:cTn id="22" presetID="9" presetClass="entr" presetSubtype="0" fill="hold" nodeType="afterEffect">
+                                  <p:stCondLst>
+                                    <p:cond delay="0"/>
+                                  </p:stCondLst>
+                                  <p:childTnLst>
+                                    <p:set>
+                                      <p:cBhvr>
+                                        <p:cTn id="23" dur="1" fill="hold">
+                                          <p:stCondLst>
+                                            <p:cond delay="0"/>
+                                          </p:stCondLst>
+                                        </p:cTn>
+                                        <p:tgtEl>
+                                          <p:spTgt spid="1026"/>
+                                        </p:tgtEl>
+                                        <p:attrNameLst>
+                                          <p:attrName>style.visibility</p:attrName>
+                                        </p:attrNameLst>
+                                      </p:cBhvr>
+                                      <p:to>
+                                        <p:strVal val="visible"/>
+                                      </p:to>
+                                    </p:set>
+                                    <p:animEffect transition="in" filter="dissolve">
+                                      <p:cBhvr>
+                                        <p:cTn id="24" dur="500"/>
+                                        <p:tgtEl>
+                                          <p:spTgt spid="1026"/>
+                                        </p:tgtEl>
+                                      </p:cBhvr>
+                                    </p:animEffect>
+                                  </p:childTnLst>
+                                </p:cTn>
+                              </p:par>
+                            </p:childTnLst>
+                          </p:cTn>
+                        </p:par>
+                        <p:par>
+                          <p:cTn id="25" fill="hold">
+                            <p:stCondLst>
+                              <p:cond delay="2000"/>
+                            </p:stCondLst>
+                            <p:childTnLst>
+                              <p:par>
+                                <p:cTn id="26" presetID="9" presetClass="entr" presetSubtype="0" fill="hold" nodeType="afterEffect">
+                                  <p:stCondLst>
+                                    <p:cond delay="0"/>
+                                  </p:stCondLst>
+                                  <p:childTnLst>
+                                    <p:set>
+                                      <p:cBhvr>
+                                        <p:cTn id="27" dur="1" fill="hold">
+                                          <p:stCondLst>
+                                            <p:cond delay="0"/>
+                                          </p:stCondLst>
+                                        </p:cTn>
+                                        <p:tgtEl>
+                                          <p:spTgt spid="1028"/>
+                                        </p:tgtEl>
+                                        <p:attrNameLst>
+                                          <p:attrName>style.visibility</p:attrName>
+                                        </p:attrNameLst>
+                                      </p:cBhvr>
+                                      <p:to>
+                                        <p:strVal val="visible"/>
+                                      </p:to>
+                                    </p:set>
+                                    <p:animEffect transition="in" filter="dissolve">
+                                      <p:cBhvr>
+                                        <p:cTn id="28" dur="500"/>
+                                        <p:tgtEl>
+                                          <p:spTgt spid="1028"/>
                                         </p:tgtEl>
                                       </p:cBhvr>
                                     </p:animEffect>
